--- a/DependencyInjection/Dependency Injection.pptx
+++ b/DependencyInjection/Dependency Injection.pptx
@@ -4,15 +4,19 @@
   <p:sldMasterIdLst>
     <p:sldMasterId id="2147483648" r:id="rId1"/>
   </p:sldMasterIdLst>
+  <p:notesMasterIdLst>
+    <p:notesMasterId r:id="rId11"/>
+  </p:notesMasterIdLst>
   <p:sldIdLst>
-    <p:sldId id="256" r:id="rId2"/>
-    <p:sldId id="264" r:id="rId3"/>
-    <p:sldId id="257" r:id="rId4"/>
-    <p:sldId id="261" r:id="rId5"/>
-    <p:sldId id="258" r:id="rId6"/>
-    <p:sldId id="263" r:id="rId7"/>
-    <p:sldId id="260" r:id="rId8"/>
-    <p:sldId id="259" r:id="rId9"/>
+    <p:sldId id="266" r:id="rId2"/>
+    <p:sldId id="265" r:id="rId3"/>
+    <p:sldId id="264" r:id="rId4"/>
+    <p:sldId id="257" r:id="rId5"/>
+    <p:sldId id="261" r:id="rId6"/>
+    <p:sldId id="258" r:id="rId7"/>
+    <p:sldId id="263" r:id="rId8"/>
+    <p:sldId id="260" r:id="rId9"/>
+    <p:sldId id="259" r:id="rId10"/>
   </p:sldIdLst>
   <p:sldSz cx="12192000" cy="6858000"/>
   <p:notesSz cx="6858000" cy="9144000"/>
@@ -119,6 +123,610 @@
 </p:presentation>
 </file>
 
+<file path=ppt/notesMasters/notesMaster1.xml><?xml version="1.0" encoding="utf-8"?>
+<p:notesMaster xmlns:a="http://schemas.openxmlformats.org/drawingml/2006/main" xmlns:r="http://schemas.openxmlformats.org/officeDocument/2006/relationships" xmlns:p="http://schemas.openxmlformats.org/presentationml/2006/main">
+  <p:cSld>
+    <p:bg>
+      <p:bgRef idx="1001">
+        <a:schemeClr val="bg1"/>
+      </p:bgRef>
+    </p:bg>
+    <p:spTree>
+      <p:nvGrpSpPr>
+        <p:cNvPr id="1" name=""/>
+        <p:cNvGrpSpPr/>
+        <p:nvPr/>
+      </p:nvGrpSpPr>
+      <p:grpSpPr>
+        <a:xfrm>
+          <a:off x="0" y="0"/>
+          <a:ext cx="0" cy="0"/>
+          <a:chOff x="0" y="0"/>
+          <a:chExt cx="0" cy="0"/>
+        </a:xfrm>
+      </p:grpSpPr>
+      <p:sp>
+        <p:nvSpPr>
+          <p:cNvPr id="2" name="Header Placeholder 1"/>
+          <p:cNvSpPr>
+            <a:spLocks noGrp="1"/>
+          </p:cNvSpPr>
+          <p:nvPr>
+            <p:ph type="hdr" sz="quarter"/>
+          </p:nvPr>
+        </p:nvSpPr>
+        <p:spPr>
+          <a:xfrm>
+            <a:off x="0" y="0"/>
+            <a:ext cx="2971800" cy="458788"/>
+          </a:xfrm>
+          <a:prstGeom prst="rect">
+            <a:avLst/>
+          </a:prstGeom>
+        </p:spPr>
+        <p:txBody>
+          <a:bodyPr vert="horz" lIns="91440" tIns="45720" rIns="91440" bIns="45720" rtlCol="0"/>
+          <a:lstStyle>
+            <a:lvl1pPr algn="l">
+              <a:defRPr sz="1200"/>
+            </a:lvl1pPr>
+          </a:lstStyle>
+          <a:p>
+            <a:endParaRPr lang="en-US"/>
+          </a:p>
+        </p:txBody>
+      </p:sp>
+      <p:sp>
+        <p:nvSpPr>
+          <p:cNvPr id="3" name="Date Placeholder 2"/>
+          <p:cNvSpPr>
+            <a:spLocks noGrp="1"/>
+          </p:cNvSpPr>
+          <p:nvPr>
+            <p:ph type="dt" idx="1"/>
+          </p:nvPr>
+        </p:nvSpPr>
+        <p:spPr>
+          <a:xfrm>
+            <a:off x="3884613" y="0"/>
+            <a:ext cx="2971800" cy="458788"/>
+          </a:xfrm>
+          <a:prstGeom prst="rect">
+            <a:avLst/>
+          </a:prstGeom>
+        </p:spPr>
+        <p:txBody>
+          <a:bodyPr vert="horz" lIns="91440" tIns="45720" rIns="91440" bIns="45720" rtlCol="0"/>
+          <a:lstStyle>
+            <a:lvl1pPr algn="r">
+              <a:defRPr sz="1200"/>
+            </a:lvl1pPr>
+          </a:lstStyle>
+          <a:p>
+            <a:fld id="{054066D1-DDA3-4B42-8369-AC512D1773CF}" type="datetimeFigureOut">
+              <a:rPr lang="en-US" smtClean="0"/>
+              <a:t>6/23/2023</a:t>
+            </a:fld>
+            <a:endParaRPr lang="en-US"/>
+          </a:p>
+        </p:txBody>
+      </p:sp>
+      <p:sp>
+        <p:nvSpPr>
+          <p:cNvPr id="4" name="Slide Image Placeholder 3"/>
+          <p:cNvSpPr>
+            <a:spLocks noGrp="1" noRot="1" noChangeAspect="1"/>
+          </p:cNvSpPr>
+          <p:nvPr>
+            <p:ph type="sldImg" idx="2"/>
+          </p:nvPr>
+        </p:nvSpPr>
+        <p:spPr>
+          <a:xfrm>
+            <a:off x="685800" y="1143000"/>
+            <a:ext cx="5486400" cy="3086100"/>
+          </a:xfrm>
+          <a:prstGeom prst="rect">
+            <a:avLst/>
+          </a:prstGeom>
+          <a:noFill/>
+          <a:ln w="12700">
+            <a:solidFill>
+              <a:prstClr val="black"/>
+            </a:solidFill>
+          </a:ln>
+        </p:spPr>
+        <p:txBody>
+          <a:bodyPr vert="horz" lIns="91440" tIns="45720" rIns="91440" bIns="45720" rtlCol="0" anchor="ctr"/>
+          <a:lstStyle/>
+          <a:p>
+            <a:endParaRPr lang="en-US"/>
+          </a:p>
+        </p:txBody>
+      </p:sp>
+      <p:sp>
+        <p:nvSpPr>
+          <p:cNvPr id="5" name="Notes Placeholder 4"/>
+          <p:cNvSpPr>
+            <a:spLocks noGrp="1"/>
+          </p:cNvSpPr>
+          <p:nvPr>
+            <p:ph type="body" sz="quarter" idx="3"/>
+          </p:nvPr>
+        </p:nvSpPr>
+        <p:spPr>
+          <a:xfrm>
+            <a:off x="685800" y="4400550"/>
+            <a:ext cx="5486400" cy="3600450"/>
+          </a:xfrm>
+          <a:prstGeom prst="rect">
+            <a:avLst/>
+          </a:prstGeom>
+        </p:spPr>
+        <p:txBody>
+          <a:bodyPr vert="horz" lIns="91440" tIns="45720" rIns="91440" bIns="45720" rtlCol="0"/>
+          <a:lstStyle/>
+          <a:p>
+            <a:pPr lvl="0"/>
+            <a:r>
+              <a:rPr lang="en-US"/>
+              <a:t>Click to edit Master text styles</a:t>
+            </a:r>
+          </a:p>
+          <a:p>
+            <a:pPr lvl="1"/>
+            <a:r>
+              <a:rPr lang="en-US"/>
+              <a:t>Second level</a:t>
+            </a:r>
+          </a:p>
+          <a:p>
+            <a:pPr lvl="2"/>
+            <a:r>
+              <a:rPr lang="en-US"/>
+              <a:t>Third level</a:t>
+            </a:r>
+          </a:p>
+          <a:p>
+            <a:pPr lvl="3"/>
+            <a:r>
+              <a:rPr lang="en-US"/>
+              <a:t>Fourth level</a:t>
+            </a:r>
+          </a:p>
+          <a:p>
+            <a:pPr lvl="4"/>
+            <a:r>
+              <a:rPr lang="en-US"/>
+              <a:t>Fifth level</a:t>
+            </a:r>
+          </a:p>
+        </p:txBody>
+      </p:sp>
+      <p:sp>
+        <p:nvSpPr>
+          <p:cNvPr id="6" name="Footer Placeholder 5"/>
+          <p:cNvSpPr>
+            <a:spLocks noGrp="1"/>
+          </p:cNvSpPr>
+          <p:nvPr>
+            <p:ph type="ftr" sz="quarter" idx="4"/>
+          </p:nvPr>
+        </p:nvSpPr>
+        <p:spPr>
+          <a:xfrm>
+            <a:off x="0" y="8685213"/>
+            <a:ext cx="2971800" cy="458787"/>
+          </a:xfrm>
+          <a:prstGeom prst="rect">
+            <a:avLst/>
+          </a:prstGeom>
+        </p:spPr>
+        <p:txBody>
+          <a:bodyPr vert="horz" lIns="91440" tIns="45720" rIns="91440" bIns="45720" rtlCol="0" anchor="b"/>
+          <a:lstStyle>
+            <a:lvl1pPr algn="l">
+              <a:defRPr sz="1200"/>
+            </a:lvl1pPr>
+          </a:lstStyle>
+          <a:p>
+            <a:endParaRPr lang="en-US"/>
+          </a:p>
+        </p:txBody>
+      </p:sp>
+      <p:sp>
+        <p:nvSpPr>
+          <p:cNvPr id="7" name="Slide Number Placeholder 6"/>
+          <p:cNvSpPr>
+            <a:spLocks noGrp="1"/>
+          </p:cNvSpPr>
+          <p:nvPr>
+            <p:ph type="sldNum" sz="quarter" idx="5"/>
+          </p:nvPr>
+        </p:nvSpPr>
+        <p:spPr>
+          <a:xfrm>
+            <a:off x="3884613" y="8685213"/>
+            <a:ext cx="2971800" cy="458787"/>
+          </a:xfrm>
+          <a:prstGeom prst="rect">
+            <a:avLst/>
+          </a:prstGeom>
+        </p:spPr>
+        <p:txBody>
+          <a:bodyPr vert="horz" lIns="91440" tIns="45720" rIns="91440" bIns="45720" rtlCol="0" anchor="b"/>
+          <a:lstStyle>
+            <a:lvl1pPr algn="r">
+              <a:defRPr sz="1200"/>
+            </a:lvl1pPr>
+          </a:lstStyle>
+          <a:p>
+            <a:fld id="{7DA02FEB-0DCD-4570-B7CE-CAAAD5484D98}" type="slidenum">
+              <a:rPr lang="en-US" smtClean="0"/>
+              <a:t>‹#›</a:t>
+            </a:fld>
+            <a:endParaRPr lang="en-US"/>
+          </a:p>
+        </p:txBody>
+      </p:sp>
+    </p:spTree>
+    <p:extLst>
+      <p:ext uri="{BB962C8B-B14F-4D97-AF65-F5344CB8AC3E}">
+        <p14:creationId xmlns:p14="http://schemas.microsoft.com/office/powerpoint/2010/main" val="4251698630"/>
+      </p:ext>
+    </p:extLst>
+  </p:cSld>
+  <p:clrMap bg1="lt1" tx1="dk1" bg2="lt2" tx2="dk2" accent1="accent1" accent2="accent2" accent3="accent3" accent4="accent4" accent5="accent5" accent6="accent6" hlink="hlink" folHlink="folHlink"/>
+  <p:notesStyle>
+    <a:lvl1pPr marL="0" algn="l" defTabSz="914400" rtl="0" eaLnBrk="1" latinLnBrk="0" hangingPunct="1">
+      <a:defRPr sz="1200" kern="1200">
+        <a:solidFill>
+          <a:schemeClr val="tx1"/>
+        </a:solidFill>
+        <a:latin typeface="+mn-lt"/>
+        <a:ea typeface="+mn-ea"/>
+        <a:cs typeface="+mn-cs"/>
+      </a:defRPr>
+    </a:lvl1pPr>
+    <a:lvl2pPr marL="457200" algn="l" defTabSz="914400" rtl="0" eaLnBrk="1" latinLnBrk="0" hangingPunct="1">
+      <a:defRPr sz="1200" kern="1200">
+        <a:solidFill>
+          <a:schemeClr val="tx1"/>
+        </a:solidFill>
+        <a:latin typeface="+mn-lt"/>
+        <a:ea typeface="+mn-ea"/>
+        <a:cs typeface="+mn-cs"/>
+      </a:defRPr>
+    </a:lvl2pPr>
+    <a:lvl3pPr marL="914400" algn="l" defTabSz="914400" rtl="0" eaLnBrk="1" latinLnBrk="0" hangingPunct="1">
+      <a:defRPr sz="1200" kern="1200">
+        <a:solidFill>
+          <a:schemeClr val="tx1"/>
+        </a:solidFill>
+        <a:latin typeface="+mn-lt"/>
+        <a:ea typeface="+mn-ea"/>
+        <a:cs typeface="+mn-cs"/>
+      </a:defRPr>
+    </a:lvl3pPr>
+    <a:lvl4pPr marL="1371600" algn="l" defTabSz="914400" rtl="0" eaLnBrk="1" latinLnBrk="0" hangingPunct="1">
+      <a:defRPr sz="1200" kern="1200">
+        <a:solidFill>
+          <a:schemeClr val="tx1"/>
+        </a:solidFill>
+        <a:latin typeface="+mn-lt"/>
+        <a:ea typeface="+mn-ea"/>
+        <a:cs typeface="+mn-cs"/>
+      </a:defRPr>
+    </a:lvl4pPr>
+    <a:lvl5pPr marL="1828800" algn="l" defTabSz="914400" rtl="0" eaLnBrk="1" latinLnBrk="0" hangingPunct="1">
+      <a:defRPr sz="1200" kern="1200">
+        <a:solidFill>
+          <a:schemeClr val="tx1"/>
+        </a:solidFill>
+        <a:latin typeface="+mn-lt"/>
+        <a:ea typeface="+mn-ea"/>
+        <a:cs typeface="+mn-cs"/>
+      </a:defRPr>
+    </a:lvl5pPr>
+    <a:lvl6pPr marL="2286000" algn="l" defTabSz="914400" rtl="0" eaLnBrk="1" latinLnBrk="0" hangingPunct="1">
+      <a:defRPr sz="1200" kern="1200">
+        <a:solidFill>
+          <a:schemeClr val="tx1"/>
+        </a:solidFill>
+        <a:latin typeface="+mn-lt"/>
+        <a:ea typeface="+mn-ea"/>
+        <a:cs typeface="+mn-cs"/>
+      </a:defRPr>
+    </a:lvl6pPr>
+    <a:lvl7pPr marL="2743200" algn="l" defTabSz="914400" rtl="0" eaLnBrk="1" latinLnBrk="0" hangingPunct="1">
+      <a:defRPr sz="1200" kern="1200">
+        <a:solidFill>
+          <a:schemeClr val="tx1"/>
+        </a:solidFill>
+        <a:latin typeface="+mn-lt"/>
+        <a:ea typeface="+mn-ea"/>
+        <a:cs typeface="+mn-cs"/>
+      </a:defRPr>
+    </a:lvl7pPr>
+    <a:lvl8pPr marL="3200400" algn="l" defTabSz="914400" rtl="0" eaLnBrk="1" latinLnBrk="0" hangingPunct="1">
+      <a:defRPr sz="1200" kern="1200">
+        <a:solidFill>
+          <a:schemeClr val="tx1"/>
+        </a:solidFill>
+        <a:latin typeface="+mn-lt"/>
+        <a:ea typeface="+mn-ea"/>
+        <a:cs typeface="+mn-cs"/>
+      </a:defRPr>
+    </a:lvl8pPr>
+    <a:lvl9pPr marL="3657600" algn="l" defTabSz="914400" rtl="0" eaLnBrk="1" latinLnBrk="0" hangingPunct="1">
+      <a:defRPr sz="1200" kern="1200">
+        <a:solidFill>
+          <a:schemeClr val="tx1"/>
+        </a:solidFill>
+        <a:latin typeface="+mn-lt"/>
+        <a:ea typeface="+mn-ea"/>
+        <a:cs typeface="+mn-cs"/>
+      </a:defRPr>
+    </a:lvl9pPr>
+  </p:notesStyle>
+</p:notesMaster>
+</file>
+
+<file path=ppt/notesSlides/notesSlide1.xml><?xml version="1.0" encoding="utf-8"?>
+<p:notes xmlns:a="http://schemas.openxmlformats.org/drawingml/2006/main" xmlns:r="http://schemas.openxmlformats.org/officeDocument/2006/relationships" xmlns:p="http://schemas.openxmlformats.org/presentationml/2006/main">
+  <p:cSld>
+    <p:spTree>
+      <p:nvGrpSpPr>
+        <p:cNvPr id="1" name=""/>
+        <p:cNvGrpSpPr/>
+        <p:nvPr/>
+      </p:nvGrpSpPr>
+      <p:grpSpPr>
+        <a:xfrm>
+          <a:off x="0" y="0"/>
+          <a:ext cx="0" cy="0"/>
+          <a:chOff x="0" y="0"/>
+          <a:chExt cx="0" cy="0"/>
+        </a:xfrm>
+      </p:grpSpPr>
+      <p:sp>
+        <p:nvSpPr>
+          <p:cNvPr id="2" name="Slide Image Placeholder 1"/>
+          <p:cNvSpPr>
+            <a:spLocks noGrp="1" noRot="1" noChangeAspect="1"/>
+          </p:cNvSpPr>
+          <p:nvPr>
+            <p:ph type="sldImg"/>
+          </p:nvPr>
+        </p:nvSpPr>
+        <p:spPr/>
+      </p:sp>
+      <p:sp>
+        <p:nvSpPr>
+          <p:cNvPr id="3" name="Notes Placeholder 2"/>
+          <p:cNvSpPr>
+            <a:spLocks noGrp="1"/>
+          </p:cNvSpPr>
+          <p:nvPr>
+            <p:ph type="body" idx="1"/>
+          </p:nvPr>
+        </p:nvSpPr>
+        <p:spPr/>
+        <p:txBody>
+          <a:bodyPr/>
+          <a:lstStyle/>
+          <a:p>
+            <a:endParaRPr lang="en-US" dirty="0"/>
+          </a:p>
+        </p:txBody>
+      </p:sp>
+      <p:sp>
+        <p:nvSpPr>
+          <p:cNvPr id="4" name="Slide Number Placeholder 3"/>
+          <p:cNvSpPr>
+            <a:spLocks noGrp="1"/>
+          </p:cNvSpPr>
+          <p:nvPr>
+            <p:ph type="sldNum" sz="quarter" idx="5"/>
+          </p:nvPr>
+        </p:nvSpPr>
+        <p:spPr/>
+        <p:txBody>
+          <a:bodyPr/>
+          <a:lstStyle/>
+          <a:p>
+            <a:fld id="{7DA02FEB-0DCD-4570-B7CE-CAAAD5484D98}" type="slidenum">
+              <a:rPr lang="en-US" smtClean="0"/>
+              <a:t>1</a:t>
+            </a:fld>
+            <a:endParaRPr lang="en-US"/>
+          </a:p>
+        </p:txBody>
+      </p:sp>
+    </p:spTree>
+    <p:extLst>
+      <p:ext uri="{BB962C8B-B14F-4D97-AF65-F5344CB8AC3E}">
+        <p14:creationId xmlns:p14="http://schemas.microsoft.com/office/powerpoint/2010/main" val="152506399"/>
+      </p:ext>
+    </p:extLst>
+  </p:cSld>
+  <p:clrMapOvr>
+    <a:masterClrMapping/>
+  </p:clrMapOvr>
+</p:notes>
+</file>
+
+<file path=ppt/notesSlides/notesSlide2.xml><?xml version="1.0" encoding="utf-8"?>
+<p:notes xmlns:a="http://schemas.openxmlformats.org/drawingml/2006/main" xmlns:r="http://schemas.openxmlformats.org/officeDocument/2006/relationships" xmlns:p="http://schemas.openxmlformats.org/presentationml/2006/main">
+  <p:cSld>
+    <p:spTree>
+      <p:nvGrpSpPr>
+        <p:cNvPr id="1" name=""/>
+        <p:cNvGrpSpPr/>
+        <p:nvPr/>
+      </p:nvGrpSpPr>
+      <p:grpSpPr>
+        <a:xfrm>
+          <a:off x="0" y="0"/>
+          <a:ext cx="0" cy="0"/>
+          <a:chOff x="0" y="0"/>
+          <a:chExt cx="0" cy="0"/>
+        </a:xfrm>
+      </p:grpSpPr>
+      <p:sp>
+        <p:nvSpPr>
+          <p:cNvPr id="2" name="Slide Image Placeholder 1"/>
+          <p:cNvSpPr>
+            <a:spLocks noGrp="1" noRot="1" noChangeAspect="1"/>
+          </p:cNvSpPr>
+          <p:nvPr>
+            <p:ph type="sldImg"/>
+          </p:nvPr>
+        </p:nvSpPr>
+        <p:spPr/>
+      </p:sp>
+      <p:sp>
+        <p:nvSpPr>
+          <p:cNvPr id="3" name="Notes Placeholder 2"/>
+          <p:cNvSpPr>
+            <a:spLocks noGrp="1"/>
+          </p:cNvSpPr>
+          <p:nvPr>
+            <p:ph type="body" idx="1"/>
+          </p:nvPr>
+        </p:nvSpPr>
+        <p:spPr/>
+        <p:txBody>
+          <a:bodyPr/>
+          <a:lstStyle/>
+          <a:p>
+            <a:endParaRPr lang="en-US" dirty="0"/>
+          </a:p>
+        </p:txBody>
+      </p:sp>
+      <p:sp>
+        <p:nvSpPr>
+          <p:cNvPr id="4" name="Slide Number Placeholder 3"/>
+          <p:cNvSpPr>
+            <a:spLocks noGrp="1"/>
+          </p:cNvSpPr>
+          <p:nvPr>
+            <p:ph type="sldNum" sz="quarter" idx="5"/>
+          </p:nvPr>
+        </p:nvSpPr>
+        <p:spPr/>
+        <p:txBody>
+          <a:bodyPr/>
+          <a:lstStyle/>
+          <a:p>
+            <a:fld id="{7DA02FEB-0DCD-4570-B7CE-CAAAD5484D98}" type="slidenum">
+              <a:rPr lang="en-US" smtClean="0"/>
+              <a:t>3</a:t>
+            </a:fld>
+            <a:endParaRPr lang="en-US"/>
+          </a:p>
+        </p:txBody>
+      </p:sp>
+    </p:spTree>
+    <p:extLst>
+      <p:ext uri="{BB962C8B-B14F-4D97-AF65-F5344CB8AC3E}">
+        <p14:creationId xmlns:p14="http://schemas.microsoft.com/office/powerpoint/2010/main" val="2552701031"/>
+      </p:ext>
+    </p:extLst>
+  </p:cSld>
+  <p:clrMapOvr>
+    <a:masterClrMapping/>
+  </p:clrMapOvr>
+</p:notes>
+</file>
+
+<file path=ppt/notesSlides/notesSlide3.xml><?xml version="1.0" encoding="utf-8"?>
+<p:notes xmlns:a="http://schemas.openxmlformats.org/drawingml/2006/main" xmlns:r="http://schemas.openxmlformats.org/officeDocument/2006/relationships" xmlns:p="http://schemas.openxmlformats.org/presentationml/2006/main">
+  <p:cSld>
+    <p:spTree>
+      <p:nvGrpSpPr>
+        <p:cNvPr id="1" name=""/>
+        <p:cNvGrpSpPr/>
+        <p:nvPr/>
+      </p:nvGrpSpPr>
+      <p:grpSpPr>
+        <a:xfrm>
+          <a:off x="0" y="0"/>
+          <a:ext cx="0" cy="0"/>
+          <a:chOff x="0" y="0"/>
+          <a:chExt cx="0" cy="0"/>
+        </a:xfrm>
+      </p:grpSpPr>
+      <p:sp>
+        <p:nvSpPr>
+          <p:cNvPr id="2" name="Slide Image Placeholder 1"/>
+          <p:cNvSpPr>
+            <a:spLocks noGrp="1" noRot="1" noChangeAspect="1"/>
+          </p:cNvSpPr>
+          <p:nvPr>
+            <p:ph type="sldImg"/>
+          </p:nvPr>
+        </p:nvSpPr>
+        <p:spPr/>
+      </p:sp>
+      <p:sp>
+        <p:nvSpPr>
+          <p:cNvPr id="3" name="Notes Placeholder 2"/>
+          <p:cNvSpPr>
+            <a:spLocks noGrp="1"/>
+          </p:cNvSpPr>
+          <p:nvPr>
+            <p:ph type="body" idx="1"/>
+          </p:nvPr>
+        </p:nvSpPr>
+        <p:spPr/>
+        <p:txBody>
+          <a:bodyPr/>
+          <a:lstStyle/>
+          <a:p>
+            <a:r>
+              <a:rPr lang="en-US" dirty="0"/>
+              <a:t>Has some advantages (hard to steal… change) but that’s usually not a good feature of software.</a:t>
+            </a:r>
+          </a:p>
+        </p:txBody>
+      </p:sp>
+      <p:sp>
+        <p:nvSpPr>
+          <p:cNvPr id="4" name="Slide Number Placeholder 3"/>
+          <p:cNvSpPr>
+            <a:spLocks noGrp="1"/>
+          </p:cNvSpPr>
+          <p:nvPr>
+            <p:ph type="sldNum" sz="quarter" idx="5"/>
+          </p:nvPr>
+        </p:nvSpPr>
+        <p:spPr/>
+        <p:txBody>
+          <a:bodyPr/>
+          <a:lstStyle/>
+          <a:p>
+            <a:fld id="{7DA02FEB-0DCD-4570-B7CE-CAAAD5484D98}" type="slidenum">
+              <a:rPr lang="en-US" smtClean="0"/>
+              <a:t>4</a:t>
+            </a:fld>
+            <a:endParaRPr lang="en-US"/>
+          </a:p>
+        </p:txBody>
+      </p:sp>
+    </p:spTree>
+    <p:extLst>
+      <p:ext uri="{BB962C8B-B14F-4D97-AF65-F5344CB8AC3E}">
+        <p14:creationId xmlns:p14="http://schemas.microsoft.com/office/powerpoint/2010/main" val="205967988"/>
+      </p:ext>
+    </p:extLst>
+  </p:cSld>
+  <p:clrMapOvr>
+    <a:masterClrMapping/>
+  </p:clrMapOvr>
+</p:notes>
+</file>
+
 <file path=ppt/slideLayouts/slideLayout1.xml><?xml version="1.0" encoding="utf-8"?>
 <p:sldLayout xmlns:a="http://schemas.openxmlformats.org/drawingml/2006/main" xmlns:r="http://schemas.openxmlformats.org/officeDocument/2006/relationships" xmlns:p="http://schemas.openxmlformats.org/presentationml/2006/main" type="title" preserve="1">
   <p:cSld name="Title Slide">
@@ -266,7 +874,7 @@
           <a:p>
             <a:fld id="{6BD59661-9FB2-40A0-9C58-2C2DB0CCE216}" type="datetimeFigureOut">
               <a:rPr lang="en-US" smtClean="0"/>
-              <a:t>1/24/2020</a:t>
+              <a:t>6/23/2023</a:t>
             </a:fld>
             <a:endParaRPr lang="en-US"/>
           </a:p>
@@ -464,7 +1072,7 @@
           <a:p>
             <a:fld id="{6BD59661-9FB2-40A0-9C58-2C2DB0CCE216}" type="datetimeFigureOut">
               <a:rPr lang="en-US" smtClean="0"/>
-              <a:t>1/24/2020</a:t>
+              <a:t>6/23/2023</a:t>
             </a:fld>
             <a:endParaRPr lang="en-US"/>
           </a:p>
@@ -672,7 +1280,7 @@
           <a:p>
             <a:fld id="{6BD59661-9FB2-40A0-9C58-2C2DB0CCE216}" type="datetimeFigureOut">
               <a:rPr lang="en-US" smtClean="0"/>
-              <a:t>1/24/2020</a:t>
+              <a:t>6/23/2023</a:t>
             </a:fld>
             <a:endParaRPr lang="en-US"/>
           </a:p>
@@ -870,7 +1478,7 @@
           <a:p>
             <a:fld id="{6BD59661-9FB2-40A0-9C58-2C2DB0CCE216}" type="datetimeFigureOut">
               <a:rPr lang="en-US" smtClean="0"/>
-              <a:t>1/24/2020</a:t>
+              <a:t>6/23/2023</a:t>
             </a:fld>
             <a:endParaRPr lang="en-US"/>
           </a:p>
@@ -1145,7 +1753,7 @@
           <a:p>
             <a:fld id="{6BD59661-9FB2-40A0-9C58-2C2DB0CCE216}" type="datetimeFigureOut">
               <a:rPr lang="en-US" smtClean="0"/>
-              <a:t>1/24/2020</a:t>
+              <a:t>6/23/2023</a:t>
             </a:fld>
             <a:endParaRPr lang="en-US"/>
           </a:p>
@@ -1410,7 +2018,7 @@
           <a:p>
             <a:fld id="{6BD59661-9FB2-40A0-9C58-2C2DB0CCE216}" type="datetimeFigureOut">
               <a:rPr lang="en-US" smtClean="0"/>
-              <a:t>1/24/2020</a:t>
+              <a:t>6/23/2023</a:t>
             </a:fld>
             <a:endParaRPr lang="en-US"/>
           </a:p>
@@ -1822,7 +2430,7 @@
           <a:p>
             <a:fld id="{6BD59661-9FB2-40A0-9C58-2C2DB0CCE216}" type="datetimeFigureOut">
               <a:rPr lang="en-US" smtClean="0"/>
-              <a:t>1/24/2020</a:t>
+              <a:t>6/23/2023</a:t>
             </a:fld>
             <a:endParaRPr lang="en-US"/>
           </a:p>
@@ -1963,7 +2571,7 @@
           <a:p>
             <a:fld id="{6BD59661-9FB2-40A0-9C58-2C2DB0CCE216}" type="datetimeFigureOut">
               <a:rPr lang="en-US" smtClean="0"/>
-              <a:t>1/24/2020</a:t>
+              <a:t>6/23/2023</a:t>
             </a:fld>
             <a:endParaRPr lang="en-US"/>
           </a:p>
@@ -2076,7 +2684,7 @@
           <a:p>
             <a:fld id="{6BD59661-9FB2-40A0-9C58-2C2DB0CCE216}" type="datetimeFigureOut">
               <a:rPr lang="en-US" smtClean="0"/>
-              <a:t>1/24/2020</a:t>
+              <a:t>6/23/2023</a:t>
             </a:fld>
             <a:endParaRPr lang="en-US"/>
           </a:p>
@@ -2387,7 +2995,7 @@
           <a:p>
             <a:fld id="{6BD59661-9FB2-40A0-9C58-2C2DB0CCE216}" type="datetimeFigureOut">
               <a:rPr lang="en-US" smtClean="0"/>
-              <a:t>1/24/2020</a:t>
+              <a:t>6/23/2023</a:t>
             </a:fld>
             <a:endParaRPr lang="en-US"/>
           </a:p>
@@ -2675,7 +3283,7 @@
           <a:p>
             <a:fld id="{6BD59661-9FB2-40A0-9C58-2C2DB0CCE216}" type="datetimeFigureOut">
               <a:rPr lang="en-US" smtClean="0"/>
-              <a:t>1/24/2020</a:t>
+              <a:t>6/23/2023</a:t>
             </a:fld>
             <a:endParaRPr lang="en-US"/>
           </a:p>
@@ -2916,7 +3524,7 @@
           <a:p>
             <a:fld id="{6BD59661-9FB2-40A0-9C58-2C2DB0CCE216}" type="datetimeFigureOut">
               <a:rPr lang="en-US" smtClean="0"/>
-              <a:t>1/24/2020</a:t>
+              <a:t>6/23/2023</a:t>
             </a:fld>
             <a:endParaRPr lang="en-US"/>
           </a:p>
@@ -3319,14 +3927,6 @@
 <file path=ppt/slides/slide1.xml><?xml version="1.0" encoding="utf-8"?>
 <p:sld xmlns:a="http://schemas.openxmlformats.org/drawingml/2006/main" xmlns:r="http://schemas.openxmlformats.org/officeDocument/2006/relationships" xmlns:p="http://schemas.openxmlformats.org/presentationml/2006/main">
   <p:cSld>
-    <p:bg>
-      <p:bgPr>
-        <a:solidFill>
-          <a:schemeClr val="bg1"/>
-        </a:solidFill>
-        <a:effectLst/>
-      </p:bgPr>
-    </p:bg>
     <p:spTree>
       <p:nvGrpSpPr>
         <p:cNvPr id="1" name=""/>
@@ -3343,69 +3943,57 @@
       </p:grpSpPr>
       <p:sp>
         <p:nvSpPr>
-          <p:cNvPr id="12" name="Rectangle 11">
-            <a:extLst>
-              <a:ext uri="{FF2B5EF4-FFF2-40B4-BE49-F238E27FC236}">
-                <a16:creationId xmlns:a16="http://schemas.microsoft.com/office/drawing/2014/main" id="{AFA67CD3-AB4E-4A7A-BEB8-53C445D8C44E}"/>
-              </a:ext>
-              <a:ext uri="{C183D7F6-B498-43B3-948B-1728B52AA6E4}">
-                <adec:decorative xmlns:adec="http://schemas.microsoft.com/office/drawing/2017/decorative" val="1"/>
-              </a:ext>
-            </a:extLst>
-          </p:cNvPr>
-          <p:cNvSpPr>
-            <a:spLocks noGrp="1" noRot="1" noChangeAspect="1" noMove="1" noResize="1" noEditPoints="1" noAdjustHandles="1" noChangeArrowheads="1" noChangeShapeType="1" noTextEdit="1"/>
-          </p:cNvSpPr>
-          <p:nvPr>
-            <p:extLst>
-              <p:ext uri="{386F3935-93C4-4BCD-93E2-E3B085C9AB24}">
-                <p16:designElem xmlns:p16="http://schemas.microsoft.com/office/powerpoint/2015/main" val="1"/>
-              </p:ext>
-            </p:extLst>
-          </p:nvPr>
+          <p:cNvPr id="2" name="Title 1">
+            <a:extLst>
+              <a:ext uri="{FF2B5EF4-FFF2-40B4-BE49-F238E27FC236}">
+                <a16:creationId xmlns:a16="http://schemas.microsoft.com/office/drawing/2014/main" id="{5F1CDDE0-D92B-CE1E-1304-8E54A0E1666A}"/>
+              </a:ext>
+            </a:extLst>
+          </p:cNvPr>
+          <p:cNvSpPr>
+            <a:spLocks noGrp="1"/>
+          </p:cNvSpPr>
+          <p:nvPr>
+            <p:ph type="title"/>
+          </p:nvPr>
+        </p:nvSpPr>
+        <p:spPr/>
+        <p:txBody>
+          <a:bodyPr/>
+          <a:lstStyle/>
+          <a:p>
+            <a:r>
+              <a:rPr lang="en-US" dirty="0"/>
+              <a:t>OOP Terminology</a:t>
+            </a:r>
+          </a:p>
+        </p:txBody>
+      </p:sp>
+      <p:sp>
+        <p:nvSpPr>
+          <p:cNvPr id="4" name="Rectangle 3">
+            <a:extLst>
+              <a:ext uri="{FF2B5EF4-FFF2-40B4-BE49-F238E27FC236}">
+                <a16:creationId xmlns:a16="http://schemas.microsoft.com/office/drawing/2014/main" id="{F1FCD98E-86CA-407E-8FF1-52D471592F3D}"/>
+              </a:ext>
+            </a:extLst>
+          </p:cNvPr>
+          <p:cNvSpPr/>
+          <p:nvPr/>
         </p:nvSpPr>
         <p:spPr>
           <a:xfrm>
-            <a:off x="1" y="3726"/>
-            <a:ext cx="5614875" cy="6858000"/>
+            <a:off x="1948343" y="1759653"/>
+            <a:ext cx="2323751" cy="1057013"/>
           </a:xfrm>
           <a:prstGeom prst="rect">
             <a:avLst/>
           </a:prstGeom>
-          <a:gradFill>
-            <a:gsLst>
-              <a:gs pos="0">
-                <a:schemeClr val="accent1">
-                  <a:lumMod val="100000"/>
-                  <a:alpha val="82000"/>
-                </a:schemeClr>
-              </a:gs>
-              <a:gs pos="25000">
-                <a:schemeClr val="accent1">
-                  <a:alpha val="60000"/>
-                </a:schemeClr>
-              </a:gs>
-              <a:gs pos="94000">
-                <a:schemeClr val="bg2">
-                  <a:lumMod val="75000"/>
-                </a:schemeClr>
-              </a:gs>
-              <a:gs pos="100000">
-                <a:schemeClr val="bg2">
-                  <a:lumMod val="75000"/>
-                </a:schemeClr>
-              </a:gs>
-            </a:gsLst>
-            <a:lin ang="4200000" scaled="0"/>
-          </a:gradFill>
-          <a:ln>
-            <a:noFill/>
-          </a:ln>
         </p:spPr>
         <p:style>
           <a:lnRef idx="2">
             <a:schemeClr val="accent1">
-              <a:shade val="50000"/>
+              <a:shade val="15000"/>
             </a:schemeClr>
           </a:lnRef>
           <a:fillRef idx="1">
@@ -3423,245 +4011,38 @@
           <a:lstStyle/>
           <a:p>
             <a:pPr algn="ctr"/>
-            <a:endParaRPr lang="en-US"/>
-          </a:p>
-        </p:txBody>
-      </p:sp>
-      <p:pic>
-        <p:nvPicPr>
-          <p:cNvPr id="14" name="Picture 13">
-            <a:extLst>
-              <a:ext uri="{FF2B5EF4-FFF2-40B4-BE49-F238E27FC236}">
-                <a16:creationId xmlns:a16="http://schemas.microsoft.com/office/drawing/2014/main" id="{07CF545F-9C2E-4446-97CD-AD92990C2B68}"/>
-              </a:ext>
-              <a:ext uri="{C183D7F6-B498-43B3-948B-1728B52AA6E4}">
-                <adec:decorative xmlns:adec="http://schemas.microsoft.com/office/drawing/2017/decorative" val="1"/>
-              </a:ext>
-            </a:extLst>
-          </p:cNvPr>
-          <p:cNvPicPr>
-            <a:picLocks noGrp="1" noRot="1" noChangeAspect="1" noMove="1" noResize="1" noEditPoints="1" noAdjustHandles="1" noChangeArrowheads="1" noChangeShapeType="1" noCrop="1"/>
-          </p:cNvPicPr>
-          <p:nvPr>
-            <p:extLst>
-              <p:ext uri="{386F3935-93C4-4BCD-93E2-E3B085C9AB24}">
-                <p16:designElem xmlns:p16="http://schemas.microsoft.com/office/powerpoint/2015/main" val="1"/>
-              </p:ext>
-            </p:extLst>
-          </p:nvPr>
-        </p:nvPicPr>
-        <p:blipFill>
-          <a:blip r:embed="rId2">
-            <a:extLst>
-              <a:ext uri="{28A0092B-C50C-407E-A947-70E740481C1C}">
-                <a14:useLocalDpi xmlns:a14="http://schemas.microsoft.com/office/drawing/2010/main" val="0"/>
-              </a:ext>
-            </a:extLst>
-          </a:blip>
-          <a:stretch>
-            <a:fillRect/>
-          </a:stretch>
-        </p:blipFill>
+            <a:r>
+              <a:rPr lang="en-US" dirty="0"/>
+              <a:t>Client, Caller, etc.</a:t>
+            </a:r>
+          </a:p>
+        </p:txBody>
+      </p:sp>
+      <p:sp>
+        <p:nvSpPr>
+          <p:cNvPr id="6" name="Rectangle 5">
+            <a:extLst>
+              <a:ext uri="{FF2B5EF4-FFF2-40B4-BE49-F238E27FC236}">
+                <a16:creationId xmlns:a16="http://schemas.microsoft.com/office/drawing/2014/main" id="{9688AE85-B71D-17AD-5E06-1D6E1648CE21}"/>
+              </a:ext>
+            </a:extLst>
+          </p:cNvPr>
+          <p:cNvSpPr/>
+          <p:nvPr/>
+        </p:nvSpPr>
         <p:spPr>
           <a:xfrm>
-            <a:off x="0" y="0"/>
-            <a:ext cx="12192000" cy="6858000"/>
+            <a:off x="1948343" y="4041334"/>
+            <a:ext cx="2323751" cy="1057013"/>
           </a:xfrm>
           <a:prstGeom prst="rect">
             <a:avLst/>
           </a:prstGeom>
         </p:spPr>
-      </p:pic>
-      <p:sp>
-        <p:nvSpPr>
-          <p:cNvPr id="4" name="Title 3">
-            <a:extLst>
-              <a:ext uri="{FF2B5EF4-FFF2-40B4-BE49-F238E27FC236}">
-                <a16:creationId xmlns:a16="http://schemas.microsoft.com/office/drawing/2014/main" id="{3FDE48F8-3EE5-4396-8F92-22301AB5341D}"/>
-              </a:ext>
-            </a:extLst>
-          </p:cNvPr>
-          <p:cNvSpPr>
-            <a:spLocks noGrp="1"/>
-          </p:cNvSpPr>
-          <p:nvPr>
-            <p:ph type="title"/>
-          </p:nvPr>
-        </p:nvSpPr>
-        <p:spPr>
-          <a:xfrm>
-            <a:off x="6094105" y="802955"/>
-            <a:ext cx="4977976" cy="1454051"/>
-          </a:xfrm>
-        </p:spPr>
-        <p:txBody>
-          <a:bodyPr>
-            <a:normAutofit/>
-          </a:bodyPr>
-          <a:lstStyle/>
-          <a:p>
-            <a:r>
-              <a:rPr lang="en-US" dirty="0">
-                <a:solidFill>
-                  <a:srgbClr val="000000"/>
-                </a:solidFill>
-              </a:rPr>
-              <a:t>Dependency Injection</a:t>
-            </a:r>
-          </a:p>
-        </p:txBody>
-      </p:sp>
-      <p:sp>
-        <p:nvSpPr>
-          <p:cNvPr id="16" name="Freeform 62">
-            <a:extLst>
-              <a:ext uri="{FF2B5EF4-FFF2-40B4-BE49-F238E27FC236}">
-                <a16:creationId xmlns:a16="http://schemas.microsoft.com/office/drawing/2014/main" id="{339C8D78-A644-462F-B674-F440635E5353}"/>
-              </a:ext>
-              <a:ext uri="{C183D7F6-B498-43B3-948B-1728B52AA6E4}">
-                <adec:decorative xmlns:adec="http://schemas.microsoft.com/office/drawing/2017/decorative" val="1"/>
-              </a:ext>
-            </a:extLst>
-          </p:cNvPr>
-          <p:cNvSpPr>
-            <a:spLocks noGrp="1" noRot="1" noChangeAspect="1" noMove="1" noResize="1" noEditPoints="1" noAdjustHandles="1" noChangeArrowheads="1" noChangeShapeType="1" noTextEdit="1"/>
-          </p:cNvSpPr>
-          <p:nvPr>
-            <p:extLst>
-              <p:ext uri="{386F3935-93C4-4BCD-93E2-E3B085C9AB24}">
-                <p16:designElem xmlns:p16="http://schemas.microsoft.com/office/powerpoint/2015/main" val="1"/>
-              </p:ext>
-            </p:extLst>
-          </p:nvPr>
-        </p:nvSpPr>
-        <p:spPr>
-          <a:xfrm>
-            <a:off x="0" y="738619"/>
-            <a:ext cx="5000438" cy="5400962"/>
-          </a:xfrm>
-          <a:custGeom>
-            <a:avLst/>
-            <a:gdLst>
-              <a:gd name="connsiteX0" fmla="*/ 2299956 w 5000438"/>
-              <a:gd name="connsiteY0" fmla="*/ 0 h 5400962"/>
-              <a:gd name="connsiteX1" fmla="*/ 5000438 w 5000438"/>
-              <a:gd name="connsiteY1" fmla="*/ 2700481 h 5400962"/>
-              <a:gd name="connsiteX2" fmla="*/ 2299956 w 5000438"/>
-              <a:gd name="connsiteY2" fmla="*/ 5400962 h 5400962"/>
-              <a:gd name="connsiteX3" fmla="*/ 60675 w 5000438"/>
-              <a:gd name="connsiteY3" fmla="*/ 4210346 h 5400962"/>
-              <a:gd name="connsiteX4" fmla="*/ 0 w 5000438"/>
-              <a:gd name="connsiteY4" fmla="*/ 4110472 h 5400962"/>
-              <a:gd name="connsiteX5" fmla="*/ 0 w 5000438"/>
-              <a:gd name="connsiteY5" fmla="*/ 1290491 h 5400962"/>
-              <a:gd name="connsiteX6" fmla="*/ 60675 w 5000438"/>
-              <a:gd name="connsiteY6" fmla="*/ 1190617 h 5400962"/>
-              <a:gd name="connsiteX7" fmla="*/ 2299956 w 5000438"/>
-              <a:gd name="connsiteY7" fmla="*/ 0 h 5400962"/>
-            </a:gdLst>
-            <a:ahLst/>
-            <a:cxnLst>
-              <a:cxn ang="0">
-                <a:pos x="connsiteX0" y="connsiteY0"/>
-              </a:cxn>
-              <a:cxn ang="0">
-                <a:pos x="connsiteX1" y="connsiteY1"/>
-              </a:cxn>
-              <a:cxn ang="0">
-                <a:pos x="connsiteX2" y="connsiteY2"/>
-              </a:cxn>
-              <a:cxn ang="0">
-                <a:pos x="connsiteX3" y="connsiteY3"/>
-              </a:cxn>
-              <a:cxn ang="0">
-                <a:pos x="connsiteX4" y="connsiteY4"/>
-              </a:cxn>
-              <a:cxn ang="0">
-                <a:pos x="connsiteX5" y="connsiteY5"/>
-              </a:cxn>
-              <a:cxn ang="0">
-                <a:pos x="connsiteX6" y="connsiteY6"/>
-              </a:cxn>
-              <a:cxn ang="0">
-                <a:pos x="connsiteX7" y="connsiteY7"/>
-              </a:cxn>
-            </a:cxnLst>
-            <a:rect l="l" t="t" r="r" b="b"/>
-            <a:pathLst>
-              <a:path w="5000438" h="5400962">
-                <a:moveTo>
-                  <a:pt x="2299956" y="0"/>
-                </a:moveTo>
-                <a:cubicBezTo>
-                  <a:pt x="3791390" y="0"/>
-                  <a:pt x="5000438" y="1209047"/>
-                  <a:pt x="5000438" y="2700481"/>
-                </a:cubicBezTo>
-                <a:cubicBezTo>
-                  <a:pt x="5000438" y="4191915"/>
-                  <a:pt x="3791390" y="5400962"/>
-                  <a:pt x="2299956" y="5400962"/>
-                </a:cubicBezTo>
-                <a:cubicBezTo>
-                  <a:pt x="1367810" y="5400962"/>
-                  <a:pt x="545971" y="4928678"/>
-                  <a:pt x="60675" y="4210346"/>
-                </a:cubicBezTo>
-                <a:lnTo>
-                  <a:pt x="0" y="4110472"/>
-                </a:lnTo>
-                <a:lnTo>
-                  <a:pt x="0" y="1290491"/>
-                </a:lnTo>
-                <a:lnTo>
-                  <a:pt x="60675" y="1190617"/>
-                </a:lnTo>
-                <a:cubicBezTo>
-                  <a:pt x="545971" y="472284"/>
-                  <a:pt x="1367810" y="0"/>
-                  <a:pt x="2299956" y="0"/>
-                </a:cubicBezTo>
-                <a:close/>
-              </a:path>
-            </a:pathLst>
-          </a:custGeom>
-          <a:solidFill>
-            <a:srgbClr val="FFFFFF"/>
-          </a:solidFill>
-          <a:ln>
-            <a:gradFill>
-              <a:gsLst>
-                <a:gs pos="0">
-                  <a:schemeClr val="accent1">
-                    <a:lumMod val="40000"/>
-                    <a:lumOff val="60000"/>
-                  </a:schemeClr>
-                </a:gs>
-                <a:gs pos="23000">
-                  <a:schemeClr val="accent1">
-                    <a:lumMod val="45000"/>
-                    <a:lumOff val="55000"/>
-                  </a:schemeClr>
-                </a:gs>
-                <a:gs pos="83000">
-                  <a:schemeClr val="bg2">
-                    <a:lumMod val="85000"/>
-                  </a:schemeClr>
-                </a:gs>
-                <a:gs pos="100000">
-                  <a:schemeClr val="bg2">
-                    <a:lumMod val="85000"/>
-                  </a:schemeClr>
-                </a:gs>
-              </a:gsLst>
-              <a:lin ang="5400000" scaled="1"/>
-            </a:gradFill>
-          </a:ln>
-        </p:spPr>
         <p:style>
           <a:lnRef idx="2">
             <a:schemeClr val="accent1">
-              <a:shade val="50000"/>
+              <a:shade val="15000"/>
             </a:schemeClr>
           </a:lnRef>
           <a:fillRef idx="1">
@@ -3675,115 +4056,322 @@
           </a:fontRef>
         </p:style>
         <p:txBody>
-          <a:bodyPr wrap="square" rtlCol="0" anchor="ctr">
-            <a:noAutofit/>
-          </a:bodyPr>
+          <a:bodyPr rtlCol="0" anchor="ctr"/>
           <a:lstStyle/>
           <a:p>
             <a:pPr algn="ctr"/>
-            <a:endParaRPr lang="en-US"/>
-          </a:p>
-        </p:txBody>
-      </p:sp>
-      <p:pic>
-        <p:nvPicPr>
-          <p:cNvPr id="9" name="Graphic 8" descr="Disconnected">
-            <a:extLst>
-              <a:ext uri="{FF2B5EF4-FFF2-40B4-BE49-F238E27FC236}">
-                <a16:creationId xmlns:a16="http://schemas.microsoft.com/office/drawing/2014/main" id="{D94A07B6-2B29-49E9-B797-7D0EB46750A1}"/>
-              </a:ext>
-            </a:extLst>
-          </p:cNvPr>
-          <p:cNvPicPr>
-            <a:picLocks noChangeAspect="1"/>
-          </p:cNvPicPr>
+            <a:r>
+              <a:rPr lang="en-US" dirty="0" err="1"/>
+              <a:t>IMineralService</a:t>
+            </a:r>
+            <a:endParaRPr lang="en-US" dirty="0"/>
+          </a:p>
+        </p:txBody>
+      </p:sp>
+      <p:sp>
+        <p:nvSpPr>
+          <p:cNvPr id="7" name="Rectangle 6">
+            <a:extLst>
+              <a:ext uri="{FF2B5EF4-FFF2-40B4-BE49-F238E27FC236}">
+                <a16:creationId xmlns:a16="http://schemas.microsoft.com/office/drawing/2014/main" id="{6787992F-3BD2-3A2C-7CF4-B9AD369034F2}"/>
+              </a:ext>
+            </a:extLst>
+          </p:cNvPr>
+          <p:cNvSpPr/>
           <p:nvPr/>
-        </p:nvPicPr>
-        <p:blipFill>
-          <a:blip r:embed="rId3">
-            <a:extLst>
-              <a:ext uri="{28A0092B-C50C-407E-A947-70E740481C1C}">
-                <a14:useLocalDpi xmlns:a14="http://schemas.microsoft.com/office/drawing/2010/main" val="0"/>
-              </a:ext>
-              <a:ext uri="{96DAC541-7B7A-43D3-8B79-37D633B846F1}">
-                <asvg:svgBlip xmlns:asvg="http://schemas.microsoft.com/office/drawing/2016/SVG/main" r:embed="rId4"/>
-              </a:ext>
-            </a:extLst>
-          </a:blip>
-          <a:stretch>
-            <a:fillRect/>
-          </a:stretch>
-        </p:blipFill>
+        </p:nvSpPr>
         <p:spPr>
           <a:xfrm>
-            <a:off x="450254" y="1629089"/>
-            <a:ext cx="3620021" cy="3620021"/>
+            <a:off x="7234107" y="4057095"/>
+            <a:ext cx="2323751" cy="1057013"/>
           </a:xfrm>
           <a:prstGeom prst="rect">
             <a:avLst/>
           </a:prstGeom>
         </p:spPr>
-      </p:pic>
-      <p:sp>
-        <p:nvSpPr>
-          <p:cNvPr id="10" name="Content Placeholder 4">
-            <a:extLst>
-              <a:ext uri="{FF2B5EF4-FFF2-40B4-BE49-F238E27FC236}">
-                <a16:creationId xmlns:a16="http://schemas.microsoft.com/office/drawing/2014/main" id="{4A47FE7C-45D0-42C9-B184-697B06040D82}"/>
-              </a:ext>
-            </a:extLst>
-          </p:cNvPr>
-          <p:cNvSpPr>
-            <a:spLocks noGrp="1"/>
-          </p:cNvSpPr>
-          <p:nvPr>
-            <p:ph idx="1"/>
-          </p:nvPr>
+        <p:style>
+          <a:lnRef idx="2">
+            <a:schemeClr val="accent1">
+              <a:shade val="15000"/>
+            </a:schemeClr>
+          </a:lnRef>
+          <a:fillRef idx="1">
+            <a:schemeClr val="accent1"/>
+          </a:fillRef>
+          <a:effectRef idx="0">
+            <a:schemeClr val="accent1"/>
+          </a:effectRef>
+          <a:fontRef idx="minor">
+            <a:schemeClr val="lt1"/>
+          </a:fontRef>
+        </p:style>
+        <p:txBody>
+          <a:bodyPr rtlCol="0" anchor="ctr"/>
+          <a:lstStyle/>
+          <a:p>
+            <a:pPr algn="ctr"/>
+            <a:r>
+              <a:rPr lang="en-US" dirty="0" err="1"/>
+              <a:t>MineralApiService</a:t>
+            </a:r>
+            <a:endParaRPr lang="en-US" dirty="0"/>
+          </a:p>
+        </p:txBody>
+      </p:sp>
+      <p:sp>
+        <p:nvSpPr>
+          <p:cNvPr id="8" name="TextBox 7">
+            <a:extLst>
+              <a:ext uri="{FF2B5EF4-FFF2-40B4-BE49-F238E27FC236}">
+                <a16:creationId xmlns:a16="http://schemas.microsoft.com/office/drawing/2014/main" id="{18AB18A9-2353-AD3B-795C-60A9A4B91D63}"/>
+              </a:ext>
+            </a:extLst>
+          </p:cNvPr>
+          <p:cNvSpPr txBox="1"/>
+          <p:nvPr/>
         </p:nvSpPr>
         <p:spPr>
           <a:xfrm>
-            <a:off x="6090574" y="2421682"/>
-            <a:ext cx="4977578" cy="3639289"/>
+            <a:off x="2480302" y="5232136"/>
+            <a:ext cx="1259832" cy="923330"/>
           </a:xfrm>
+          <a:prstGeom prst="rect">
+            <a:avLst/>
+          </a:prstGeom>
+          <a:noFill/>
         </p:spPr>
         <p:txBody>
-          <a:bodyPr anchor="ctr">
-            <a:normAutofit/>
+          <a:bodyPr wrap="none" rtlCol="0">
+            <a:spAutoFit/>
           </a:bodyPr>
           <a:lstStyle/>
           <a:p>
-            <a:r>
-              <a:rPr lang="en-US" sz="2000" dirty="0">
-                <a:solidFill>
-                  <a:srgbClr val="000000"/>
-                </a:solidFill>
-              </a:rPr>
-              <a:t>Program to an Interface, not an Implementation</a:t>
-            </a:r>
-          </a:p>
-          <a:p>
-            <a:r>
-              <a:rPr lang="en-US" sz="2000" dirty="0">
-                <a:solidFill>
-                  <a:srgbClr val="000000"/>
-                </a:solidFill>
-              </a:rPr>
-              <a:t>High Cohesion, Low Coupling</a:t>
-            </a:r>
-          </a:p>
-          <a:p>
-            <a:endParaRPr lang="en-US" sz="2000" dirty="0">
-              <a:solidFill>
-                <a:srgbClr val="000000"/>
-              </a:solidFill>
-            </a:endParaRPr>
-          </a:p>
-        </p:txBody>
-      </p:sp>
+            <a:pPr algn="ctr"/>
+            <a:r>
+              <a:rPr lang="en-US" dirty="0"/>
+              <a:t>Abstraction</a:t>
+            </a:r>
+          </a:p>
+          <a:p>
+            <a:pPr algn="ctr"/>
+            <a:endParaRPr lang="en-US" dirty="0"/>
+          </a:p>
+          <a:p>
+            <a:pPr algn="ctr"/>
+            <a:r>
+              <a:rPr lang="en-US" dirty="0"/>
+              <a:t>Superclass</a:t>
+            </a:r>
+          </a:p>
+        </p:txBody>
+      </p:sp>
+      <p:sp>
+        <p:nvSpPr>
+          <p:cNvPr id="9" name="TextBox 8">
+            <a:extLst>
+              <a:ext uri="{FF2B5EF4-FFF2-40B4-BE49-F238E27FC236}">
+                <a16:creationId xmlns:a16="http://schemas.microsoft.com/office/drawing/2014/main" id="{0CC7E3AD-4F61-40D5-419F-B8C1F5BF7C9A}"/>
+              </a:ext>
+            </a:extLst>
+          </p:cNvPr>
+          <p:cNvSpPr txBox="1"/>
+          <p:nvPr/>
+        </p:nvSpPr>
+        <p:spPr>
+          <a:xfrm>
+            <a:off x="7029742" y="5232136"/>
+            <a:ext cx="2732479" cy="923330"/>
+          </a:xfrm>
+          <a:prstGeom prst="rect">
+            <a:avLst/>
+          </a:prstGeom>
+          <a:noFill/>
+        </p:spPr>
+        <p:txBody>
+          <a:bodyPr wrap="none" rtlCol="0">
+            <a:spAutoFit/>
+          </a:bodyPr>
+          <a:lstStyle/>
+          <a:p>
+            <a:pPr algn="ctr"/>
+            <a:r>
+              <a:rPr lang="en-US" dirty="0"/>
+              <a:t>Implementation (Concrete)</a:t>
+            </a:r>
+          </a:p>
+          <a:p>
+            <a:pPr algn="ctr"/>
+            <a:endParaRPr lang="en-US" dirty="0"/>
+          </a:p>
+          <a:p>
+            <a:pPr algn="ctr"/>
+            <a:r>
+              <a:rPr lang="en-US" dirty="0"/>
+              <a:t>Subclass</a:t>
+            </a:r>
+          </a:p>
+        </p:txBody>
+      </p:sp>
+      <p:cxnSp>
+        <p:nvCxnSpPr>
+          <p:cNvPr id="13" name="Straight Arrow Connector 12">
+            <a:extLst>
+              <a:ext uri="{FF2B5EF4-FFF2-40B4-BE49-F238E27FC236}">
+                <a16:creationId xmlns:a16="http://schemas.microsoft.com/office/drawing/2014/main" id="{017F5DA3-C68F-D63D-84BD-47C6CE9D6DA4}"/>
+              </a:ext>
+            </a:extLst>
+          </p:cNvPr>
+          <p:cNvCxnSpPr>
+            <a:cxnSpLocks/>
+            <a:stCxn id="4" idx="2"/>
+            <a:endCxn id="6" idx="0"/>
+          </p:cNvCxnSpPr>
+          <p:nvPr/>
+        </p:nvCxnSpPr>
+        <p:spPr>
+          <a:xfrm>
+            <a:off x="3110219" y="2816666"/>
+            <a:ext cx="0" cy="1224668"/>
+          </a:xfrm>
+          <a:prstGeom prst="straightConnector1">
+            <a:avLst/>
+          </a:prstGeom>
+          <a:ln>
+            <a:tailEnd type="triangle"/>
+          </a:ln>
+        </p:spPr>
+        <p:style>
+          <a:lnRef idx="1">
+            <a:schemeClr val="accent1"/>
+          </a:lnRef>
+          <a:fillRef idx="0">
+            <a:schemeClr val="accent1"/>
+          </a:fillRef>
+          <a:effectRef idx="0">
+            <a:schemeClr val="accent1"/>
+          </a:effectRef>
+          <a:fontRef idx="minor">
+            <a:schemeClr val="tx1"/>
+          </a:fontRef>
+        </p:style>
+      </p:cxnSp>
+      <p:sp>
+        <p:nvSpPr>
+          <p:cNvPr id="17" name="TextBox 16">
+            <a:extLst>
+              <a:ext uri="{FF2B5EF4-FFF2-40B4-BE49-F238E27FC236}">
+                <a16:creationId xmlns:a16="http://schemas.microsoft.com/office/drawing/2014/main" id="{CD33703C-8FBF-1BB1-7D6F-B503163252EC}"/>
+              </a:ext>
+            </a:extLst>
+          </p:cNvPr>
+          <p:cNvSpPr txBox="1"/>
+          <p:nvPr/>
+        </p:nvSpPr>
+        <p:spPr>
+          <a:xfrm>
+            <a:off x="3181029" y="3234126"/>
+            <a:ext cx="627095" cy="369332"/>
+          </a:xfrm>
+          <a:prstGeom prst="rect">
+            <a:avLst/>
+          </a:prstGeom>
+          <a:noFill/>
+        </p:spPr>
+        <p:txBody>
+          <a:bodyPr wrap="none" rtlCol="0">
+            <a:spAutoFit/>
+          </a:bodyPr>
+          <a:lstStyle/>
+          <a:p>
+            <a:r>
+              <a:rPr lang="en-US" dirty="0"/>
+              <a:t>Uses</a:t>
+            </a:r>
+          </a:p>
+        </p:txBody>
+      </p:sp>
+      <p:sp>
+        <p:nvSpPr>
+          <p:cNvPr id="18" name="TextBox 17">
+            <a:extLst>
+              <a:ext uri="{FF2B5EF4-FFF2-40B4-BE49-F238E27FC236}">
+                <a16:creationId xmlns:a16="http://schemas.microsoft.com/office/drawing/2014/main" id="{AC43F5EF-B3D0-430C-9FDF-4FB73E87E14E}"/>
+              </a:ext>
+            </a:extLst>
+          </p:cNvPr>
+          <p:cNvSpPr txBox="1"/>
+          <p:nvPr/>
+        </p:nvSpPr>
+        <p:spPr>
+          <a:xfrm>
+            <a:off x="5101576" y="4571258"/>
+            <a:ext cx="1303049" cy="369332"/>
+          </a:xfrm>
+          <a:prstGeom prst="rect">
+            <a:avLst/>
+          </a:prstGeom>
+          <a:noFill/>
+        </p:spPr>
+        <p:txBody>
+          <a:bodyPr wrap="none" rtlCol="0">
+            <a:spAutoFit/>
+          </a:bodyPr>
+          <a:lstStyle/>
+          <a:p>
+            <a:r>
+              <a:rPr lang="en-US" dirty="0"/>
+              <a:t>Implements</a:t>
+            </a:r>
+          </a:p>
+        </p:txBody>
+      </p:sp>
+      <p:cxnSp>
+        <p:nvCxnSpPr>
+          <p:cNvPr id="5" name="Straight Arrow Connector 4">
+            <a:extLst>
+              <a:ext uri="{FF2B5EF4-FFF2-40B4-BE49-F238E27FC236}">
+                <a16:creationId xmlns:a16="http://schemas.microsoft.com/office/drawing/2014/main" id="{EFBDEAD3-8D57-53DB-2B69-516E440A9FCB}"/>
+              </a:ext>
+            </a:extLst>
+          </p:cNvPr>
+          <p:cNvCxnSpPr>
+            <a:cxnSpLocks/>
+            <a:stCxn id="7" idx="1"/>
+            <a:endCxn id="6" idx="3"/>
+          </p:cNvCxnSpPr>
+          <p:nvPr/>
+        </p:nvCxnSpPr>
+        <p:spPr>
+          <a:xfrm flipH="1" flipV="1">
+            <a:off x="4272094" y="4569841"/>
+            <a:ext cx="2962013" cy="15761"/>
+          </a:xfrm>
+          <a:prstGeom prst="straightConnector1">
+            <a:avLst/>
+          </a:prstGeom>
+          <a:ln>
+            <a:tailEnd type="triangle"/>
+          </a:ln>
+        </p:spPr>
+        <p:style>
+          <a:lnRef idx="1">
+            <a:schemeClr val="accent1"/>
+          </a:lnRef>
+          <a:fillRef idx="0">
+            <a:schemeClr val="accent1"/>
+          </a:fillRef>
+          <a:effectRef idx="0">
+            <a:schemeClr val="accent1"/>
+          </a:effectRef>
+          <a:fontRef idx="minor">
+            <a:schemeClr val="tx1"/>
+          </a:fontRef>
+        </p:style>
+      </p:cxnSp>
     </p:spTree>
     <p:extLst>
       <p:ext uri="{BB962C8B-B14F-4D97-AF65-F5344CB8AC3E}">
-        <p14:creationId xmlns:p14="http://schemas.microsoft.com/office/powerpoint/2010/main" val="2048264165"/>
+        <p14:creationId xmlns:p14="http://schemas.microsoft.com/office/powerpoint/2010/main" val="3821021473"/>
       </p:ext>
     </p:extLst>
   </p:cSld>
@@ -3815,6 +4403,228 @@
           <p:cNvPr id="2" name="Title 1">
             <a:extLst>
               <a:ext uri="{FF2B5EF4-FFF2-40B4-BE49-F238E27FC236}">
+                <a16:creationId xmlns:a16="http://schemas.microsoft.com/office/drawing/2014/main" id="{2A770734-3333-2DD3-C9FA-D7AAC2D971E9}"/>
+              </a:ext>
+            </a:extLst>
+          </p:cNvPr>
+          <p:cNvSpPr>
+            <a:spLocks noGrp="1"/>
+          </p:cNvSpPr>
+          <p:nvPr>
+            <p:ph type="title"/>
+          </p:nvPr>
+        </p:nvSpPr>
+        <p:spPr/>
+        <p:txBody>
+          <a:bodyPr/>
+          <a:lstStyle/>
+          <a:p>
+            <a:r>
+              <a:rPr lang="en-US" dirty="0"/>
+              <a:t>SOLID Principles</a:t>
+            </a:r>
+          </a:p>
+        </p:txBody>
+      </p:sp>
+      <p:sp>
+        <p:nvSpPr>
+          <p:cNvPr id="3" name="Content Placeholder 2">
+            <a:extLst>
+              <a:ext uri="{FF2B5EF4-FFF2-40B4-BE49-F238E27FC236}">
+                <a16:creationId xmlns:a16="http://schemas.microsoft.com/office/drawing/2014/main" id="{A2921A4F-C597-5066-3E8B-32FE6ACEBC73}"/>
+              </a:ext>
+            </a:extLst>
+          </p:cNvPr>
+          <p:cNvSpPr>
+            <a:spLocks noGrp="1"/>
+          </p:cNvSpPr>
+          <p:nvPr>
+            <p:ph idx="1"/>
+          </p:nvPr>
+        </p:nvSpPr>
+        <p:spPr/>
+        <p:txBody>
+          <a:bodyPr>
+            <a:normAutofit lnSpcReduction="10000"/>
+          </a:bodyPr>
+          <a:lstStyle/>
+          <a:p>
+            <a:pPr>
+              <a:buFont typeface="Arial" panose="020B0604020202020204" pitchFamily="34" charset="0"/>
+              <a:buChar char="•"/>
+            </a:pPr>
+            <a:r>
+              <a:rPr lang="en-US" dirty="0"/>
+              <a:t>The </a:t>
+            </a:r>
+            <a:r>
+              <a:rPr lang="en-US" b="1" dirty="0">
+                <a:hlinkClick r:id="rId2" tooltip="Single-responsibility principle"/>
+              </a:rPr>
+              <a:t>S</a:t>
+            </a:r>
+            <a:r>
+              <a:rPr lang="en-US" dirty="0">
+                <a:hlinkClick r:id="rId2" tooltip="Single-responsibility principle"/>
+              </a:rPr>
+              <a:t>ingle-responsibility principle</a:t>
+            </a:r>
+            <a:r>
+              <a:rPr lang="en-US" dirty="0"/>
+              <a:t>: "There should never be more than one category of reason for a class to change.“</a:t>
+            </a:r>
+          </a:p>
+          <a:p>
+            <a:pPr>
+              <a:buFont typeface="Arial" panose="020B0604020202020204" pitchFamily="34" charset="0"/>
+              <a:buChar char="•"/>
+            </a:pPr>
+            <a:r>
+              <a:rPr lang="en-US" dirty="0"/>
+              <a:t>The </a:t>
+            </a:r>
+            <a:r>
+              <a:rPr lang="en-US" b="1" dirty="0">
+                <a:hlinkClick r:id="rId3" tooltip="Open–closed principle"/>
+              </a:rPr>
+              <a:t>O</a:t>
+            </a:r>
+            <a:r>
+              <a:rPr lang="en-US" dirty="0">
+                <a:hlinkClick r:id="rId3" tooltip="Open–closed principle"/>
+              </a:rPr>
+              <a:t>pen–closed principle</a:t>
+            </a:r>
+            <a:r>
+              <a:rPr lang="en-US" dirty="0"/>
+              <a:t>: "Software entities should be open for extension, but closed for modification."</a:t>
+            </a:r>
+          </a:p>
+          <a:p>
+            <a:pPr>
+              <a:buFont typeface="Arial" panose="020B0604020202020204" pitchFamily="34" charset="0"/>
+              <a:buChar char="•"/>
+            </a:pPr>
+            <a:r>
+              <a:rPr lang="en-US" dirty="0"/>
+              <a:t>The </a:t>
+            </a:r>
+            <a:r>
+              <a:rPr lang="en-US" b="1" dirty="0" err="1">
+                <a:hlinkClick r:id="rId4" tooltip="Liskov substitution principle"/>
+              </a:rPr>
+              <a:t>L</a:t>
+            </a:r>
+            <a:r>
+              <a:rPr lang="en-US" dirty="0" err="1">
+                <a:hlinkClick r:id="rId4" tooltip="Liskov substitution principle"/>
+              </a:rPr>
+              <a:t>iskov</a:t>
+            </a:r>
+            <a:r>
+              <a:rPr lang="en-US" dirty="0">
+                <a:hlinkClick r:id="rId4" tooltip="Liskov substitution principle"/>
+              </a:rPr>
+              <a:t> substitution principle</a:t>
+            </a:r>
+            <a:r>
+              <a:rPr lang="en-US" dirty="0"/>
+              <a:t>: “Maintain combability for substituting a superclass with any of its subclasses” </a:t>
+            </a:r>
+            <a:endParaRPr lang="en-US" baseline="30000" dirty="0"/>
+          </a:p>
+          <a:p>
+            <a:pPr>
+              <a:buFont typeface="Arial" panose="020B0604020202020204" pitchFamily="34" charset="0"/>
+              <a:buChar char="•"/>
+            </a:pPr>
+            <a:r>
+              <a:rPr lang="en-US" dirty="0"/>
+              <a:t>The </a:t>
+            </a:r>
+            <a:r>
+              <a:rPr lang="en-US" b="1" dirty="0">
+                <a:hlinkClick r:id="rId5" tooltip="Interface segregation principle"/>
+              </a:rPr>
+              <a:t>I</a:t>
+            </a:r>
+            <a:r>
+              <a:rPr lang="en-US" dirty="0">
+                <a:hlinkClick r:id="rId5" tooltip="Interface segregation principle"/>
+              </a:rPr>
+              <a:t>nterface segregation principle</a:t>
+            </a:r>
+            <a:r>
+              <a:rPr lang="en-US" dirty="0"/>
+              <a:t>: "Clients should not be forced to depend upon interfaces that they do not use."</a:t>
+            </a:r>
+          </a:p>
+          <a:p>
+            <a:pPr>
+              <a:buFont typeface="Arial" panose="020B0604020202020204" pitchFamily="34" charset="0"/>
+              <a:buChar char="•"/>
+            </a:pPr>
+            <a:r>
+              <a:rPr lang="en-US" dirty="0"/>
+              <a:t>The </a:t>
+            </a:r>
+            <a:r>
+              <a:rPr lang="en-US" b="1" dirty="0">
+                <a:hlinkClick r:id="rId6" tooltip="Dependency inversion principle"/>
+              </a:rPr>
+              <a:t>D</a:t>
+            </a:r>
+            <a:r>
+              <a:rPr lang="en-US" dirty="0">
+                <a:hlinkClick r:id="rId6" tooltip="Dependency inversion principle"/>
+              </a:rPr>
+              <a:t>ependency inversion principle</a:t>
+            </a:r>
+            <a:r>
+              <a:rPr lang="en-US" dirty="0"/>
+              <a:t>: "Depend upon abstractions, not implementations."</a:t>
+            </a:r>
+          </a:p>
+          <a:p>
+            <a:endParaRPr lang="en-US" dirty="0"/>
+          </a:p>
+        </p:txBody>
+      </p:sp>
+    </p:spTree>
+    <p:extLst>
+      <p:ext uri="{BB962C8B-B14F-4D97-AF65-F5344CB8AC3E}">
+        <p14:creationId xmlns:p14="http://schemas.microsoft.com/office/powerpoint/2010/main" val="50796361"/>
+      </p:ext>
+    </p:extLst>
+  </p:cSld>
+  <p:clrMapOvr>
+    <a:masterClrMapping/>
+  </p:clrMapOvr>
+</p:sld>
+</file>
+
+<file path=ppt/slides/slide3.xml><?xml version="1.0" encoding="utf-8"?>
+<p:sld xmlns:a="http://schemas.openxmlformats.org/drawingml/2006/main" xmlns:r="http://schemas.openxmlformats.org/officeDocument/2006/relationships" xmlns:p="http://schemas.openxmlformats.org/presentationml/2006/main">
+  <p:cSld>
+    <p:spTree>
+      <p:nvGrpSpPr>
+        <p:cNvPr id="1" name=""/>
+        <p:cNvGrpSpPr/>
+        <p:nvPr/>
+      </p:nvGrpSpPr>
+      <p:grpSpPr>
+        <a:xfrm>
+          <a:off x="0" y="0"/>
+          <a:ext cx="0" cy="0"/>
+          <a:chOff x="0" y="0"/>
+          <a:chExt cx="0" cy="0"/>
+        </a:xfrm>
+      </p:grpSpPr>
+      <p:sp>
+        <p:nvSpPr>
+          <p:cNvPr id="2" name="Title 1">
+            <a:extLst>
+              <a:ext uri="{FF2B5EF4-FFF2-40B4-BE49-F238E27FC236}">
                 <a16:creationId xmlns:a16="http://schemas.microsoft.com/office/drawing/2014/main" id="{87C02465-B8A1-4E40-BBD6-CBA8DE208F37}"/>
               </a:ext>
             </a:extLst>
@@ -3833,7 +4643,7 @@
           <a:p>
             <a:r>
               <a:rPr lang="en-US" dirty="0"/>
-              <a:t>Definition</a:t>
+              <a:t>Dependency Injection</a:t>
             </a:r>
           </a:p>
         </p:txBody>
@@ -3905,7 +4715,7 @@
 </p:sld>
 </file>
 
-<file path=ppt/slides/slide3.xml><?xml version="1.0" encoding="utf-8"?>
+<file path=ppt/slides/slide4.xml><?xml version="1.0" encoding="utf-8"?>
 <p:sld xmlns:a="http://schemas.openxmlformats.org/drawingml/2006/main" xmlns:r="http://schemas.openxmlformats.org/officeDocument/2006/relationships" xmlns:p="http://schemas.openxmlformats.org/presentationml/2006/main">
   <p:cSld>
     <p:bg>
@@ -4085,7 +4895,7 @@
           <p:nvPr/>
         </p:nvPicPr>
         <p:blipFill rotWithShape="1">
-          <a:blip r:embed="rId2"/>
+          <a:blip r:embed="rId3"/>
           <a:srcRect t="7938" r="2" b="2"/>
           <a:stretch/>
         </p:blipFill>
@@ -4114,7 +4924,7 @@
           <p:nvPr/>
         </p:nvPicPr>
         <p:blipFill rotWithShape="1">
-          <a:blip r:embed="rId3"/>
+          <a:blip r:embed="rId4"/>
           <a:srcRect l="11323" r="3970" b="-2"/>
           <a:stretch/>
         </p:blipFill>
@@ -4244,7 +5054,7 @@
 </p:sld>
 </file>
 
-<file path=ppt/slides/slide4.xml><?xml version="1.0" encoding="utf-8"?>
+<file path=ppt/slides/slide5.xml><?xml version="1.0" encoding="utf-8"?>
 <p:sld xmlns:a="http://schemas.openxmlformats.org/drawingml/2006/main" xmlns:r="http://schemas.openxmlformats.org/officeDocument/2006/relationships" xmlns:p="http://schemas.openxmlformats.org/presentationml/2006/main">
   <p:cSld>
     <p:bg>
@@ -4358,7 +5168,7 @@
           <a:lstStyle/>
           <a:p>
             <a:r>
-              <a:rPr lang="en-US" sz="3400"/>
+              <a:rPr lang="en-US" sz="3400" dirty="0"/>
               <a:t>Electrical Socket Interface</a:t>
             </a:r>
           </a:p>
@@ -4440,25 +5250,25 @@
           <a:lstStyle/>
           <a:p>
             <a:r>
-              <a:rPr lang="en-US" sz="2000"/>
+              <a:rPr lang="en-US" sz="2000" dirty="0"/>
               <a:t>Socket Shape</a:t>
             </a:r>
           </a:p>
           <a:p>
             <a:r>
-              <a:rPr lang="en-US" sz="2000"/>
+              <a:rPr lang="en-US" sz="2000" dirty="0"/>
               <a:t>Socket Count</a:t>
             </a:r>
           </a:p>
           <a:p>
             <a:r>
-              <a:rPr lang="en-US" sz="2000"/>
+              <a:rPr lang="en-US" sz="2000" dirty="0"/>
               <a:t>Voltage</a:t>
             </a:r>
           </a:p>
           <a:p>
             <a:r>
-              <a:rPr lang="en-US" sz="2000"/>
+              <a:rPr lang="en-US" sz="2000" dirty="0"/>
               <a:t>Max Amperage</a:t>
             </a:r>
           </a:p>
@@ -4883,7 +5693,7 @@
 </p:sld>
 </file>
 
-<file path=ppt/slides/slide5.xml><?xml version="1.0" encoding="utf-8"?>
+<file path=ppt/slides/slide6.xml><?xml version="1.0" encoding="utf-8"?>
 <p:sld xmlns:a="http://schemas.openxmlformats.org/drawingml/2006/main" xmlns:r="http://schemas.openxmlformats.org/officeDocument/2006/relationships" xmlns:p="http://schemas.openxmlformats.org/presentationml/2006/main">
   <p:cSld>
     <p:bg>
@@ -5268,7 +6078,7 @@
 </p:sld>
 </file>
 
-<file path=ppt/slides/slide6.xml><?xml version="1.0" encoding="utf-8"?>
+<file path=ppt/slides/slide7.xml><?xml version="1.0" encoding="utf-8"?>
 <p:sld xmlns:a="http://schemas.openxmlformats.org/drawingml/2006/main" xmlns:r="http://schemas.openxmlformats.org/officeDocument/2006/relationships" xmlns:p="http://schemas.openxmlformats.org/presentationml/2006/main">
   <p:cSld>
     <p:bg>
@@ -5661,7 +6471,7 @@
 </p:sld>
 </file>
 
-<file path=ppt/slides/slide7.xml><?xml version="1.0" encoding="utf-8"?>
+<file path=ppt/slides/slide8.xml><?xml version="1.0" encoding="utf-8"?>
 <p:sld xmlns:a="http://schemas.openxmlformats.org/drawingml/2006/main" xmlns:r="http://schemas.openxmlformats.org/officeDocument/2006/relationships" xmlns:p="http://schemas.openxmlformats.org/presentationml/2006/main">
   <p:cSld>
     <p:bg>
@@ -6208,7 +7018,7 @@
 </p:sld>
 </file>
 
-<file path=ppt/slides/slide8.xml><?xml version="1.0" encoding="utf-8"?>
+<file path=ppt/slides/slide9.xml><?xml version="1.0" encoding="utf-8"?>
 <p:sld xmlns:a="http://schemas.openxmlformats.org/drawingml/2006/main" xmlns:r="http://schemas.openxmlformats.org/officeDocument/2006/relationships" xmlns:p="http://schemas.openxmlformats.org/presentationml/2006/main">
   <p:cSld>
     <p:bg>
@@ -6877,4 +7687,299 @@
     </a:ext>
   </a:extLst>
 </a:theme>
+</file>
+
+<file path=ppt/theme/theme2.xml><?xml version="1.0" encoding="utf-8"?>
+<a:theme xmlns:a="http://schemas.openxmlformats.org/drawingml/2006/main" name="Office Theme">
+  <a:themeElements>
+    <a:clrScheme name="Office">
+      <a:dk1>
+        <a:sysClr val="windowText" lastClr="000000"/>
+      </a:dk1>
+      <a:lt1>
+        <a:sysClr val="window" lastClr="FFFFFF"/>
+      </a:lt1>
+      <a:dk2>
+        <a:srgbClr val="44546A"/>
+      </a:dk2>
+      <a:lt2>
+        <a:srgbClr val="E7E6E6"/>
+      </a:lt2>
+      <a:accent1>
+        <a:srgbClr val="4472C4"/>
+      </a:accent1>
+      <a:accent2>
+        <a:srgbClr val="ED7D31"/>
+      </a:accent2>
+      <a:accent3>
+        <a:srgbClr val="A5A5A5"/>
+      </a:accent3>
+      <a:accent4>
+        <a:srgbClr val="FFC000"/>
+      </a:accent4>
+      <a:accent5>
+        <a:srgbClr val="5B9BD5"/>
+      </a:accent5>
+      <a:accent6>
+        <a:srgbClr val="70AD47"/>
+      </a:accent6>
+      <a:hlink>
+        <a:srgbClr val="0563C1"/>
+      </a:hlink>
+      <a:folHlink>
+        <a:srgbClr val="954F72"/>
+      </a:folHlink>
+    </a:clrScheme>
+    <a:fontScheme name="Office">
+      <a:majorFont>
+        <a:latin typeface="Calibri Light" panose="020F0302020204030204"/>
+        <a:ea typeface=""/>
+        <a:cs typeface=""/>
+        <a:font script="Jpan" typeface="游ゴシック Light"/>
+        <a:font script="Hang" typeface="맑은 고딕"/>
+        <a:font script="Hans" typeface="等线 Light"/>
+        <a:font script="Hant" typeface="新細明體"/>
+        <a:font script="Arab" typeface="Times New Roman"/>
+        <a:font script="Hebr" typeface="Times New Roman"/>
+        <a:font script="Thai" typeface="Angsana New"/>
+        <a:font script="Ethi" typeface="Nyala"/>
+        <a:font script="Beng" typeface="Vrinda"/>
+        <a:font script="Gujr" typeface="Shruti"/>
+        <a:font script="Khmr" typeface="MoolBoran"/>
+        <a:font script="Knda" typeface="Tunga"/>
+        <a:font script="Guru" typeface="Raavi"/>
+        <a:font script="Cans" typeface="Euphemia"/>
+        <a:font script="Cher" typeface="Plantagenet Cherokee"/>
+        <a:font script="Yiii" typeface="Microsoft Yi Baiti"/>
+        <a:font script="Tibt" typeface="Microsoft Himalaya"/>
+        <a:font script="Thaa" typeface="MV Boli"/>
+        <a:font script="Deva" typeface="Mangal"/>
+        <a:font script="Telu" typeface="Gautami"/>
+        <a:font script="Taml" typeface="Latha"/>
+        <a:font script="Syrc" typeface="Estrangelo Edessa"/>
+        <a:font script="Orya" typeface="Kalinga"/>
+        <a:font script="Mlym" typeface="Kartika"/>
+        <a:font script="Laoo" typeface="DokChampa"/>
+        <a:font script="Sinh" typeface="Iskoola Pota"/>
+        <a:font script="Mong" typeface="Mongolian Baiti"/>
+        <a:font script="Viet" typeface="Times New Roman"/>
+        <a:font script="Uigh" typeface="Microsoft Uighur"/>
+        <a:font script="Geor" typeface="Sylfaen"/>
+        <a:font script="Armn" typeface="Arial"/>
+        <a:font script="Bugi" typeface="Leelawadee UI"/>
+        <a:font script="Bopo" typeface="Microsoft JhengHei"/>
+        <a:font script="Java" typeface="Javanese Text"/>
+        <a:font script="Lisu" typeface="Segoe UI"/>
+        <a:font script="Mymr" typeface="Myanmar Text"/>
+        <a:font script="Nkoo" typeface="Ebrima"/>
+        <a:font script="Olck" typeface="Nirmala UI"/>
+        <a:font script="Osma" typeface="Ebrima"/>
+        <a:font script="Phag" typeface="Phagspa"/>
+        <a:font script="Syrn" typeface="Estrangelo Edessa"/>
+        <a:font script="Syrj" typeface="Estrangelo Edessa"/>
+        <a:font script="Syre" typeface="Estrangelo Edessa"/>
+        <a:font script="Sora" typeface="Nirmala UI"/>
+        <a:font script="Tale" typeface="Microsoft Tai Le"/>
+        <a:font script="Talu" typeface="Microsoft New Tai Lue"/>
+        <a:font script="Tfng" typeface="Ebrima"/>
+      </a:majorFont>
+      <a:minorFont>
+        <a:latin typeface="Calibri" panose="020F0502020204030204"/>
+        <a:ea typeface=""/>
+        <a:cs typeface=""/>
+        <a:font script="Jpan" typeface="游ゴシック"/>
+        <a:font script="Hang" typeface="맑은 고딕"/>
+        <a:font script="Hans" typeface="等线"/>
+        <a:font script="Hant" typeface="新細明體"/>
+        <a:font script="Arab" typeface="Arial"/>
+        <a:font script="Hebr" typeface="Arial"/>
+        <a:font script="Thai" typeface="Cordia New"/>
+        <a:font script="Ethi" typeface="Nyala"/>
+        <a:font script="Beng" typeface="Vrinda"/>
+        <a:font script="Gujr" typeface="Shruti"/>
+        <a:font script="Khmr" typeface="DaunPenh"/>
+        <a:font script="Knda" typeface="Tunga"/>
+        <a:font script="Guru" typeface="Raavi"/>
+        <a:font script="Cans" typeface="Euphemia"/>
+        <a:font script="Cher" typeface="Plantagenet Cherokee"/>
+        <a:font script="Yiii" typeface="Microsoft Yi Baiti"/>
+        <a:font script="Tibt" typeface="Microsoft Himalaya"/>
+        <a:font script="Thaa" typeface="MV Boli"/>
+        <a:font script="Deva" typeface="Mangal"/>
+        <a:font script="Telu" typeface="Gautami"/>
+        <a:font script="Taml" typeface="Latha"/>
+        <a:font script="Syrc" typeface="Estrangelo Edessa"/>
+        <a:font script="Orya" typeface="Kalinga"/>
+        <a:font script="Mlym" typeface="Kartika"/>
+        <a:font script="Laoo" typeface="DokChampa"/>
+        <a:font script="Sinh" typeface="Iskoola Pota"/>
+        <a:font script="Mong" typeface="Mongolian Baiti"/>
+        <a:font script="Viet" typeface="Arial"/>
+        <a:font script="Uigh" typeface="Microsoft Uighur"/>
+        <a:font script="Geor" typeface="Sylfaen"/>
+        <a:font script="Armn" typeface="Arial"/>
+        <a:font script="Bugi" typeface="Leelawadee UI"/>
+        <a:font script="Bopo" typeface="Microsoft JhengHei"/>
+        <a:font script="Java" typeface="Javanese Text"/>
+        <a:font script="Lisu" typeface="Segoe UI"/>
+        <a:font script="Mymr" typeface="Myanmar Text"/>
+        <a:font script="Nkoo" typeface="Ebrima"/>
+        <a:font script="Olck" typeface="Nirmala UI"/>
+        <a:font script="Osma" typeface="Ebrima"/>
+        <a:font script="Phag" typeface="Phagspa"/>
+        <a:font script="Syrn" typeface="Estrangelo Edessa"/>
+        <a:font script="Syrj" typeface="Estrangelo Edessa"/>
+        <a:font script="Syre" typeface="Estrangelo Edessa"/>
+        <a:font script="Sora" typeface="Nirmala UI"/>
+        <a:font script="Tale" typeface="Microsoft Tai Le"/>
+        <a:font script="Talu" typeface="Microsoft New Tai Lue"/>
+        <a:font script="Tfng" typeface="Ebrima"/>
+      </a:minorFont>
+    </a:fontScheme>
+    <a:fmtScheme name="Office">
+      <a:fillStyleLst>
+        <a:solidFill>
+          <a:schemeClr val="phClr"/>
+        </a:solidFill>
+        <a:gradFill rotWithShape="1">
+          <a:gsLst>
+            <a:gs pos="0">
+              <a:schemeClr val="phClr">
+                <a:lumMod val="110000"/>
+                <a:satMod val="105000"/>
+                <a:tint val="67000"/>
+              </a:schemeClr>
+            </a:gs>
+            <a:gs pos="50000">
+              <a:schemeClr val="phClr">
+                <a:lumMod val="105000"/>
+                <a:satMod val="103000"/>
+                <a:tint val="73000"/>
+              </a:schemeClr>
+            </a:gs>
+            <a:gs pos="100000">
+              <a:schemeClr val="phClr">
+                <a:lumMod val="105000"/>
+                <a:satMod val="109000"/>
+                <a:tint val="81000"/>
+              </a:schemeClr>
+            </a:gs>
+          </a:gsLst>
+          <a:lin ang="5400000" scaled="0"/>
+        </a:gradFill>
+        <a:gradFill rotWithShape="1">
+          <a:gsLst>
+            <a:gs pos="0">
+              <a:schemeClr val="phClr">
+                <a:satMod val="103000"/>
+                <a:lumMod val="102000"/>
+                <a:tint val="94000"/>
+              </a:schemeClr>
+            </a:gs>
+            <a:gs pos="50000">
+              <a:schemeClr val="phClr">
+                <a:satMod val="110000"/>
+                <a:lumMod val="100000"/>
+                <a:shade val="100000"/>
+              </a:schemeClr>
+            </a:gs>
+            <a:gs pos="100000">
+              <a:schemeClr val="phClr">
+                <a:lumMod val="99000"/>
+                <a:satMod val="120000"/>
+                <a:shade val="78000"/>
+              </a:schemeClr>
+            </a:gs>
+          </a:gsLst>
+          <a:lin ang="5400000" scaled="0"/>
+        </a:gradFill>
+      </a:fillStyleLst>
+      <a:lnStyleLst>
+        <a:ln w="6350" cap="flat" cmpd="sng" algn="ctr">
+          <a:solidFill>
+            <a:schemeClr val="phClr"/>
+          </a:solidFill>
+          <a:prstDash val="solid"/>
+          <a:miter lim="800000"/>
+        </a:ln>
+        <a:ln w="12700" cap="flat" cmpd="sng" algn="ctr">
+          <a:solidFill>
+            <a:schemeClr val="phClr"/>
+          </a:solidFill>
+          <a:prstDash val="solid"/>
+          <a:miter lim="800000"/>
+        </a:ln>
+        <a:ln w="19050" cap="flat" cmpd="sng" algn="ctr">
+          <a:solidFill>
+            <a:schemeClr val="phClr"/>
+          </a:solidFill>
+          <a:prstDash val="solid"/>
+          <a:miter lim="800000"/>
+        </a:ln>
+      </a:lnStyleLst>
+      <a:effectStyleLst>
+        <a:effectStyle>
+          <a:effectLst/>
+        </a:effectStyle>
+        <a:effectStyle>
+          <a:effectLst/>
+        </a:effectStyle>
+        <a:effectStyle>
+          <a:effectLst>
+            <a:outerShdw blurRad="57150" dist="19050" dir="5400000" algn="ctr" rotWithShape="0">
+              <a:srgbClr val="000000">
+                <a:alpha val="63000"/>
+              </a:srgbClr>
+            </a:outerShdw>
+          </a:effectLst>
+        </a:effectStyle>
+      </a:effectStyleLst>
+      <a:bgFillStyleLst>
+        <a:solidFill>
+          <a:schemeClr val="phClr"/>
+        </a:solidFill>
+        <a:solidFill>
+          <a:schemeClr val="phClr">
+            <a:tint val="95000"/>
+            <a:satMod val="170000"/>
+          </a:schemeClr>
+        </a:solidFill>
+        <a:gradFill rotWithShape="1">
+          <a:gsLst>
+            <a:gs pos="0">
+              <a:schemeClr val="phClr">
+                <a:tint val="93000"/>
+                <a:satMod val="150000"/>
+                <a:shade val="98000"/>
+                <a:lumMod val="102000"/>
+              </a:schemeClr>
+            </a:gs>
+            <a:gs pos="50000">
+              <a:schemeClr val="phClr">
+                <a:tint val="98000"/>
+                <a:satMod val="130000"/>
+                <a:shade val="90000"/>
+                <a:lumMod val="103000"/>
+              </a:schemeClr>
+            </a:gs>
+            <a:gs pos="100000">
+              <a:schemeClr val="phClr">
+                <a:shade val="63000"/>
+                <a:satMod val="120000"/>
+              </a:schemeClr>
+            </a:gs>
+          </a:gsLst>
+          <a:lin ang="5400000" scaled="0"/>
+        </a:gradFill>
+      </a:bgFillStyleLst>
+    </a:fmtScheme>
+  </a:themeElements>
+  <a:objectDefaults/>
+  <a:extraClrSchemeLst/>
+  <a:extLst>
+    <a:ext uri="{05A4C25C-085E-4340-85A3-A5531E510DB2}">
+      <thm15:themeFamily xmlns:thm15="http://schemas.microsoft.com/office/thememl/2012/main" name="Office Theme" id="{62F939B6-93AF-4DB8-9C6B-D6C7DFDC589F}" vid="{4A3C46E8-61CC-4603-A589-7422A47A8E4A}"/>
+    </a:ext>
+  </a:extLst>
+</a:theme>
 </file>